--- a/Restaurant System.pptx
+++ b/Restaurant System.pptx
@@ -111,6 +111,11 @@
       </a:defRPr>
     </a:lvl9pPr>
   </p:defaultTextStyle>
+  <p:extLst>
+    <p:ext uri="{EFAFB233-063F-42B5-8137-9DF3F51BA10A}">
+      <p15:sldGuideLst xmlns:p15="http://schemas.microsoft.com/office/powerpoint/2012/main"/>
+    </p:ext>
+  </p:extLst>
 </p:presentation>
 </file>
 
@@ -5935,7 +5940,19 @@
           <a:p>
             <a:r>
               <a:rPr lang="bg-BG" dirty="0"/>
-              <a:t>НП “Обучение за ИТ Кариера“</a:t>
+              <a:t>НП “Обучение за </a:t>
+            </a:r>
+            <a:r>
+              <a:rPr lang="bg-BG"/>
+              <a:t>ИТ </a:t>
+            </a:r>
+            <a:r>
+              <a:rPr lang="bg-BG" smtClean="0"/>
+              <a:t>Умения и Кариера</a:t>
+            </a:r>
+            <a:r>
+              <a:rPr lang="bg-BG" dirty="0"/>
+              <a:t>“</a:t>
             </a:r>
             <a:endParaRPr lang="en-US" dirty="0"/>
           </a:p>
@@ -6056,7 +6073,15 @@
             <a:pPr algn="just"/>
             <a:r>
               <a:rPr lang="bg-BG" sz="2000" dirty="0"/>
-              <a:t>Целта на проекта е да се създаде програма, която да ноподобява на програмите за управление на ресторанти. Използвайки проекта, човек може да добавя, изтрива, взема и да актуализира информация за служители, работна позиция, поръчки, маси и продукти в базата данни.</a:t>
+              <a:t>Целта на проекта е да се създаде програма, която да </a:t>
+            </a:r>
+            <a:r>
+              <a:rPr lang="bg-BG" sz="2000" dirty="0" smtClean="0"/>
+              <a:t>наподобява </a:t>
+            </a:r>
+            <a:r>
+              <a:rPr lang="bg-BG" sz="2000" dirty="0"/>
+              <a:t>на програмите за управление на ресторанти. Използвайки проекта, човек може да добавя, изтрива, взема и да актуализира информация за служители, работна позиция, поръчки, маси и продукти в базата данни.</a:t>
             </a:r>
             <a:endParaRPr lang="en-US" sz="2000" dirty="0"/>
           </a:p>
